--- a/slides/CIKM_Applications.pptx
+++ b/slides/CIKM_Applications.pptx
@@ -5,11 +5,14 @@
     <p:sldMasterId id="2147483648" r:id="rId1"/>
   </p:sldMasterIdLst>
   <p:notesMasterIdLst>
-    <p:notesMasterId r:id="rId4"/>
+    <p:notesMasterId r:id="rId7"/>
   </p:notesMasterIdLst>
   <p:sldIdLst>
     <p:sldId id="1859" r:id="rId2"/>
     <p:sldId id="1860" r:id="rId3"/>
+    <p:sldId id="1861" r:id="rId4"/>
+    <p:sldId id="1862" r:id="rId5"/>
+    <p:sldId id="1863" r:id="rId6"/>
   </p:sldIdLst>
   <p:sldSz cx="12192000" cy="6858000"/>
   <p:notesSz cx="6858000" cy="9144000"/>
@@ -198,7 +201,7 @@
           <a:p>
             <a:fld id="{6977184D-24A8-7849-A93C-F6C4A28B9FEB}" type="datetimeFigureOut">
               <a:rPr lang="en-US" smtClean="0"/>
-              <a:t>10/18/23</a:t>
+              <a:t>10/19/2023</a:t>
             </a:fld>
             <a:endParaRPr lang="en-US"/>
           </a:p>
@@ -612,7 +615,7 @@
           <a:p>
             <a:fld id="{D6F4839F-7DE1-B14A-88DF-1E87BC238DD3}" type="datetime1">
               <a:rPr lang="en-US" smtClean="0"/>
-              <a:t>10/18/23</a:t>
+              <a:t>10/19/2023</a:t>
             </a:fld>
             <a:endParaRPr lang="en-US"/>
           </a:p>
@@ -813,7 +816,7 @@
           <a:p>
             <a:fld id="{16599DE4-5D39-4348-9AAF-E8F68825BC5B}" type="datetime1">
               <a:rPr lang="en-US" smtClean="0"/>
-              <a:t>10/18/23</a:t>
+              <a:t>10/19/2023</a:t>
             </a:fld>
             <a:endParaRPr lang="en-US"/>
           </a:p>
@@ -1024,7 +1027,7 @@
           <a:p>
             <a:fld id="{E6D8F26C-F4A7-154D-A8F7-682C4194AF79}" type="datetime1">
               <a:rPr lang="en-US" smtClean="0"/>
-              <a:t>10/18/23</a:t>
+              <a:t>10/19/2023</a:t>
             </a:fld>
             <a:endParaRPr lang="en-US"/>
           </a:p>
@@ -1225,7 +1228,7 @@
           <a:p>
             <a:fld id="{81C3BD8B-B388-0944-BF27-A69B2D089469}" type="datetime1">
               <a:rPr lang="en-US" smtClean="0"/>
-              <a:t>10/18/23</a:t>
+              <a:t>10/19/2023</a:t>
             </a:fld>
             <a:endParaRPr lang="en-US"/>
           </a:p>
@@ -1503,7 +1506,7 @@
           <a:p>
             <a:fld id="{D60A6E5A-DC8A-C34B-9215-1F0D8E287035}" type="datetime1">
               <a:rPr lang="en-US" smtClean="0"/>
-              <a:t>10/18/23</a:t>
+              <a:t>10/19/2023</a:t>
             </a:fld>
             <a:endParaRPr lang="en-US"/>
           </a:p>
@@ -1771,7 +1774,7 @@
           <a:p>
             <a:fld id="{337A1C32-7323-A34F-B4A7-7D22756FAD70}" type="datetime1">
               <a:rPr lang="en-US" smtClean="0"/>
-              <a:t>10/18/23</a:t>
+              <a:t>10/19/2023</a:t>
             </a:fld>
             <a:endParaRPr lang="en-US"/>
           </a:p>
@@ -2186,7 +2189,7 @@
           <a:p>
             <a:fld id="{CB6D7B08-82DE-664D-AB2B-C91FFE57ACF6}" type="datetime1">
               <a:rPr lang="en-US" smtClean="0"/>
-              <a:t>10/18/23</a:t>
+              <a:t>10/19/2023</a:t>
             </a:fld>
             <a:endParaRPr lang="en-US"/>
           </a:p>
@@ -2330,7 +2333,7 @@
           <a:p>
             <a:fld id="{6C35521F-2369-6445-B181-E95C60B42026}" type="datetime1">
               <a:rPr lang="en-US" smtClean="0"/>
-              <a:t>10/18/23</a:t>
+              <a:t>10/19/2023</a:t>
             </a:fld>
             <a:endParaRPr lang="en-US"/>
           </a:p>
@@ -2446,7 +2449,7 @@
           <a:p>
             <a:fld id="{10625208-3CDA-CD4D-AEB9-8F0AF5A15F8D}" type="datetime1">
               <a:rPr lang="en-US" smtClean="0"/>
-              <a:t>10/18/23</a:t>
+              <a:t>10/19/2023</a:t>
             </a:fld>
             <a:endParaRPr lang="en-US"/>
           </a:p>
@@ -2760,7 +2763,7 @@
           <a:p>
             <a:fld id="{3D573010-5F3C-7C41-BE77-B6CEE6160861}" type="datetime1">
               <a:rPr lang="en-US" smtClean="0"/>
-              <a:t>10/18/23</a:t>
+              <a:t>10/19/2023</a:t>
             </a:fld>
             <a:endParaRPr lang="en-US"/>
           </a:p>
@@ -3051,7 +3054,7 @@
           <a:p>
             <a:fld id="{1CEBBBA8-CAA0-C749-9E2C-53E54900CA18}" type="datetime1">
               <a:rPr lang="en-US" smtClean="0"/>
-              <a:t>10/18/23</a:t>
+              <a:t>10/19/2023</a:t>
             </a:fld>
             <a:endParaRPr lang="en-US"/>
           </a:p>
@@ -3295,7 +3298,7 @@
           <a:p>
             <a:fld id="{595B83D0-0A32-6A41-8077-327E0A5F0CB3}" type="datetime1">
               <a:rPr lang="en-US" smtClean="0"/>
-              <a:t>10/18/23</a:t>
+              <a:t>10/19/2023</a:t>
             </a:fld>
             <a:endParaRPr lang="en-US"/>
           </a:p>
@@ -3927,6 +3930,443 @@
     <p:extLst>
       <p:ext uri="{BB962C8B-B14F-4D97-AF65-F5344CB8AC3E}">
         <p14:creationId xmlns:p14="http://schemas.microsoft.com/office/powerpoint/2010/main" val="478932408"/>
+      </p:ext>
+    </p:extLst>
+  </p:cSld>
+  <p:clrMapOvr>
+    <a:masterClrMapping/>
+  </p:clrMapOvr>
+</p:sld>
+</file>
+
+<file path=ppt/slides/slide3.xml><?xml version="1.0" encoding="utf-8"?>
+<p:sld xmlns:a="http://schemas.openxmlformats.org/drawingml/2006/main" xmlns:r="http://schemas.openxmlformats.org/officeDocument/2006/relationships" xmlns:p="http://schemas.openxmlformats.org/presentationml/2006/main">
+  <p:cSld>
+    <p:spTree>
+      <p:nvGrpSpPr>
+        <p:cNvPr id="1" name=""/>
+        <p:cNvGrpSpPr/>
+        <p:nvPr/>
+      </p:nvGrpSpPr>
+      <p:grpSpPr>
+        <a:xfrm>
+          <a:off x="0" y="0"/>
+          <a:ext cx="0" cy="0"/>
+          <a:chOff x="0" y="0"/>
+          <a:chExt cx="0" cy="0"/>
+        </a:xfrm>
+      </p:grpSpPr>
+      <p:sp>
+        <p:nvSpPr>
+          <p:cNvPr id="2" name="Title 1">
+            <a:extLst>
+              <a:ext uri="{FF2B5EF4-FFF2-40B4-BE49-F238E27FC236}">
+                <a16:creationId xmlns:a16="http://schemas.microsoft.com/office/drawing/2014/main" id="{2D1E6A27-8255-862D-3B1B-E175A331A030}"/>
+              </a:ext>
+            </a:extLst>
+          </p:cNvPr>
+          <p:cNvSpPr>
+            <a:spLocks noGrp="1"/>
+          </p:cNvSpPr>
+          <p:nvPr>
+            <p:ph type="title"/>
+          </p:nvPr>
+        </p:nvSpPr>
+        <p:spPr/>
+        <p:txBody>
+          <a:bodyPr/>
+          <a:lstStyle/>
+          <a:p>
+            <a:r>
+              <a:rPr lang="en-US" dirty="0"/>
+              <a:t>Spelling correction</a:t>
+            </a:r>
+          </a:p>
+        </p:txBody>
+      </p:sp>
+      <p:sp>
+        <p:nvSpPr>
+          <p:cNvPr id="3" name="Content Placeholder 2">
+            <a:extLst>
+              <a:ext uri="{FF2B5EF4-FFF2-40B4-BE49-F238E27FC236}">
+                <a16:creationId xmlns:a16="http://schemas.microsoft.com/office/drawing/2014/main" id="{D7392CE2-37E6-14FC-DDC1-E44DF30A2A37}"/>
+              </a:ext>
+            </a:extLst>
+          </p:cNvPr>
+          <p:cNvSpPr>
+            <a:spLocks noGrp="1"/>
+          </p:cNvSpPr>
+          <p:nvPr>
+            <p:ph idx="1"/>
+          </p:nvPr>
+        </p:nvSpPr>
+        <p:spPr/>
+        <p:txBody>
+          <a:bodyPr/>
+          <a:lstStyle/>
+          <a:p>
+            <a:r>
+              <a:rPr lang="en-US" dirty="0"/>
+              <a:t>[</a:t>
+            </a:r>
+            <a:r>
+              <a:rPr lang="en-US" dirty="0" err="1"/>
+              <a:t>obama</a:t>
+            </a:r>
+            <a:r>
+              <a:rPr lang="en-US" dirty="0"/>
+              <a:t>] -&gt; Did you mean “</a:t>
+            </a:r>
+            <a:r>
+              <a:rPr lang="en-US" i="1" dirty="0"/>
+              <a:t>Osama</a:t>
+            </a:r>
+            <a:r>
+              <a:rPr lang="en-US" dirty="0"/>
+              <a:t>”?</a:t>
+            </a:r>
+          </a:p>
+          <a:p>
+            <a:r>
+              <a:rPr lang="en-US" dirty="0"/>
+              <a:t>Is that an error?</a:t>
+            </a:r>
+          </a:p>
+          <a:p>
+            <a:r>
+              <a:rPr lang="en-US" dirty="0"/>
+              <a:t>How to solve</a:t>
+            </a:r>
+          </a:p>
+          <a:p>
+            <a:pPr lvl="1"/>
+            <a:r>
+              <a:rPr lang="en-US" dirty="0"/>
+              <a:t>Use query logs</a:t>
+            </a:r>
+          </a:p>
+          <a:p>
+            <a:pPr lvl="1"/>
+            <a:r>
+              <a:rPr lang="en-US" dirty="0"/>
+              <a:t>Trending terms and topics</a:t>
+            </a:r>
+          </a:p>
+          <a:p>
+            <a:pPr lvl="1"/>
+            <a:r>
+              <a:rPr lang="en-US" dirty="0"/>
+              <a:t>Learn good/bac corrections</a:t>
+            </a:r>
+          </a:p>
+        </p:txBody>
+      </p:sp>
+      <p:sp>
+        <p:nvSpPr>
+          <p:cNvPr id="4" name="Footer Placeholder 3">
+            <a:extLst>
+              <a:ext uri="{FF2B5EF4-FFF2-40B4-BE49-F238E27FC236}">
+                <a16:creationId xmlns:a16="http://schemas.microsoft.com/office/drawing/2014/main" id="{852F7B56-DA0E-8C95-5CC9-F3D77456DAF3}"/>
+              </a:ext>
+            </a:extLst>
+          </p:cNvPr>
+          <p:cNvSpPr>
+            <a:spLocks noGrp="1"/>
+          </p:cNvSpPr>
+          <p:nvPr>
+            <p:ph type="ftr" sz="quarter" idx="11"/>
+          </p:nvPr>
+        </p:nvSpPr>
+        <p:spPr/>
+        <p:txBody>
+          <a:bodyPr/>
+          <a:lstStyle/>
+          <a:p>
+            <a:r>
+              <a:rPr lang="en-US"/>
+              <a:t>https://github.com/kwchurch/CIKM_2023_tutorial</a:t>
+            </a:r>
+          </a:p>
+        </p:txBody>
+      </p:sp>
+    </p:spTree>
+    <p:extLst>
+      <p:ext uri="{BB962C8B-B14F-4D97-AF65-F5344CB8AC3E}">
+        <p14:creationId xmlns:p14="http://schemas.microsoft.com/office/powerpoint/2010/main" val="3975507495"/>
+      </p:ext>
+    </p:extLst>
+  </p:cSld>
+  <p:clrMapOvr>
+    <a:masterClrMapping/>
+  </p:clrMapOvr>
+</p:sld>
+</file>
+
+<file path=ppt/slides/slide4.xml><?xml version="1.0" encoding="utf-8"?>
+<p:sld xmlns:a="http://schemas.openxmlformats.org/drawingml/2006/main" xmlns:r="http://schemas.openxmlformats.org/officeDocument/2006/relationships" xmlns:p="http://schemas.openxmlformats.org/presentationml/2006/main">
+  <p:cSld>
+    <p:spTree>
+      <p:nvGrpSpPr>
+        <p:cNvPr id="1" name=""/>
+        <p:cNvGrpSpPr/>
+        <p:nvPr/>
+      </p:nvGrpSpPr>
+      <p:grpSpPr>
+        <a:xfrm>
+          <a:off x="0" y="0"/>
+          <a:ext cx="0" cy="0"/>
+          <a:chOff x="0" y="0"/>
+          <a:chExt cx="0" cy="0"/>
+        </a:xfrm>
+      </p:grpSpPr>
+      <p:sp>
+        <p:nvSpPr>
+          <p:cNvPr id="2" name="Title 1">
+            <a:extLst>
+              <a:ext uri="{FF2B5EF4-FFF2-40B4-BE49-F238E27FC236}">
+                <a16:creationId xmlns:a16="http://schemas.microsoft.com/office/drawing/2014/main" id="{C3B76F05-9A66-3154-9F0D-74AC7EA354CA}"/>
+              </a:ext>
+            </a:extLst>
+          </p:cNvPr>
+          <p:cNvSpPr>
+            <a:spLocks noGrp="1"/>
+          </p:cNvSpPr>
+          <p:nvPr>
+            <p:ph type="title"/>
+          </p:nvPr>
+        </p:nvSpPr>
+        <p:spPr/>
+        <p:txBody>
+          <a:bodyPr/>
+          <a:lstStyle/>
+          <a:p>
+            <a:r>
+              <a:rPr lang="en-US" dirty="0"/>
+              <a:t>Hallucinations</a:t>
+            </a:r>
+          </a:p>
+        </p:txBody>
+      </p:sp>
+      <p:sp>
+        <p:nvSpPr>
+          <p:cNvPr id="3" name="Content Placeholder 2">
+            <a:extLst>
+              <a:ext uri="{FF2B5EF4-FFF2-40B4-BE49-F238E27FC236}">
+                <a16:creationId xmlns:a16="http://schemas.microsoft.com/office/drawing/2014/main" id="{A26AC00D-3FF7-D486-C2B7-FE8962EBDF99}"/>
+              </a:ext>
+            </a:extLst>
+          </p:cNvPr>
+          <p:cNvSpPr>
+            <a:spLocks noGrp="1"/>
+          </p:cNvSpPr>
+          <p:nvPr>
+            <p:ph idx="1"/>
+          </p:nvPr>
+        </p:nvSpPr>
+        <p:spPr/>
+        <p:txBody>
+          <a:bodyPr/>
+          <a:lstStyle/>
+          <a:p>
+            <a:r>
+              <a:rPr lang="en-US" dirty="0"/>
+              <a:t>LLM-based system generates sentence candidates</a:t>
+            </a:r>
+          </a:p>
+          <a:p>
+            <a:r>
+              <a:rPr lang="en-US" dirty="0"/>
+              <a:t>Each candidate is checked against a web-search endpoint or KG</a:t>
+            </a:r>
+          </a:p>
+          <a:p>
+            <a:pPr lvl="1"/>
+            <a:r>
+              <a:rPr lang="en-US" dirty="0"/>
+              <a:t>Reliable information -&gt; added to the main answer</a:t>
+            </a:r>
+          </a:p>
+          <a:p>
+            <a:pPr lvl="1"/>
+            <a:r>
+              <a:rPr lang="en-US" dirty="0"/>
+              <a:t>Unreliable or difficult to verify -&gt; discarded</a:t>
+            </a:r>
+          </a:p>
+          <a:p>
+            <a:pPr lvl="1"/>
+            <a:r>
+              <a:rPr lang="en-US" dirty="0"/>
+              <a:t> </a:t>
+            </a:r>
+          </a:p>
+          <a:p>
+            <a:endParaRPr lang="en-US" dirty="0"/>
+          </a:p>
+        </p:txBody>
+      </p:sp>
+      <p:sp>
+        <p:nvSpPr>
+          <p:cNvPr id="4" name="Footer Placeholder 3">
+            <a:extLst>
+              <a:ext uri="{FF2B5EF4-FFF2-40B4-BE49-F238E27FC236}">
+                <a16:creationId xmlns:a16="http://schemas.microsoft.com/office/drawing/2014/main" id="{F49BE03C-5757-63E8-80FF-9529A309BBCE}"/>
+              </a:ext>
+            </a:extLst>
+          </p:cNvPr>
+          <p:cNvSpPr>
+            <a:spLocks noGrp="1"/>
+          </p:cNvSpPr>
+          <p:nvPr>
+            <p:ph type="ftr" sz="quarter" idx="11"/>
+          </p:nvPr>
+        </p:nvSpPr>
+        <p:spPr/>
+        <p:txBody>
+          <a:bodyPr/>
+          <a:lstStyle/>
+          <a:p>
+            <a:r>
+              <a:rPr lang="en-US"/>
+              <a:t>https://github.com/kwchurch/CIKM_2023_tutorial</a:t>
+            </a:r>
+          </a:p>
+        </p:txBody>
+      </p:sp>
+    </p:spTree>
+    <p:extLst>
+      <p:ext uri="{BB962C8B-B14F-4D97-AF65-F5344CB8AC3E}">
+        <p14:creationId xmlns:p14="http://schemas.microsoft.com/office/powerpoint/2010/main" val="1223698305"/>
+      </p:ext>
+    </p:extLst>
+  </p:cSld>
+  <p:clrMapOvr>
+    <a:masterClrMapping/>
+  </p:clrMapOvr>
+</p:sld>
+</file>
+
+<file path=ppt/slides/slide5.xml><?xml version="1.0" encoding="utf-8"?>
+<p:sld xmlns:a="http://schemas.openxmlformats.org/drawingml/2006/main" xmlns:r="http://schemas.openxmlformats.org/officeDocument/2006/relationships" xmlns:p="http://schemas.openxmlformats.org/presentationml/2006/main">
+  <p:cSld>
+    <p:spTree>
+      <p:nvGrpSpPr>
+        <p:cNvPr id="1" name=""/>
+        <p:cNvGrpSpPr/>
+        <p:nvPr/>
+      </p:nvGrpSpPr>
+      <p:grpSpPr>
+        <a:xfrm>
+          <a:off x="0" y="0"/>
+          <a:ext cx="0" cy="0"/>
+          <a:chOff x="0" y="0"/>
+          <a:chExt cx="0" cy="0"/>
+        </a:xfrm>
+      </p:grpSpPr>
+      <p:sp>
+        <p:nvSpPr>
+          <p:cNvPr id="2" name="Title 1">
+            <a:extLst>
+              <a:ext uri="{FF2B5EF4-FFF2-40B4-BE49-F238E27FC236}">
+                <a16:creationId xmlns:a16="http://schemas.microsoft.com/office/drawing/2014/main" id="{0E43232E-97D3-82A5-CCED-9DA6F00A14B2}"/>
+              </a:ext>
+            </a:extLst>
+          </p:cNvPr>
+          <p:cNvSpPr>
+            <a:spLocks noGrp="1"/>
+          </p:cNvSpPr>
+          <p:nvPr>
+            <p:ph type="title"/>
+          </p:nvPr>
+        </p:nvSpPr>
+        <p:spPr/>
+        <p:txBody>
+          <a:bodyPr/>
+          <a:lstStyle/>
+          <a:p>
+            <a:r>
+              <a:rPr lang="en-US" dirty="0"/>
+              <a:t>Takeaway</a:t>
+            </a:r>
+          </a:p>
+        </p:txBody>
+      </p:sp>
+      <p:sp>
+        <p:nvSpPr>
+          <p:cNvPr id="3" name="Content Placeholder 2">
+            <a:extLst>
+              <a:ext uri="{FF2B5EF4-FFF2-40B4-BE49-F238E27FC236}">
+                <a16:creationId xmlns:a16="http://schemas.microsoft.com/office/drawing/2014/main" id="{735B21D6-459B-F82A-D82F-2550DE18946C}"/>
+              </a:ext>
+            </a:extLst>
+          </p:cNvPr>
+          <p:cNvSpPr>
+            <a:spLocks noGrp="1"/>
+          </p:cNvSpPr>
+          <p:nvPr>
+            <p:ph idx="1"/>
+          </p:nvPr>
+        </p:nvSpPr>
+        <p:spPr/>
+        <p:txBody>
+          <a:bodyPr/>
+          <a:lstStyle/>
+          <a:p>
+            <a:r>
+              <a:rPr lang="en-US" dirty="0"/>
+              <a:t>Think outside the box</a:t>
+            </a:r>
+          </a:p>
+          <a:p>
+            <a:r>
+              <a:rPr lang="en-US" dirty="0"/>
+              <a:t>Be open to what other communities can contribute</a:t>
+            </a:r>
+          </a:p>
+          <a:p>
+            <a:r>
+              <a:rPr lang="en-US" dirty="0"/>
+              <a:t>Focus on solving </a:t>
+            </a:r>
+            <a:r>
+              <a:rPr lang="en-US"/>
+              <a:t>the problem</a:t>
+            </a:r>
+          </a:p>
+        </p:txBody>
+      </p:sp>
+      <p:sp>
+        <p:nvSpPr>
+          <p:cNvPr id="4" name="Footer Placeholder 3">
+            <a:extLst>
+              <a:ext uri="{FF2B5EF4-FFF2-40B4-BE49-F238E27FC236}">
+                <a16:creationId xmlns:a16="http://schemas.microsoft.com/office/drawing/2014/main" id="{F0D17C41-9806-0970-B2B7-DD415E12E61A}"/>
+              </a:ext>
+            </a:extLst>
+          </p:cNvPr>
+          <p:cNvSpPr>
+            <a:spLocks noGrp="1"/>
+          </p:cNvSpPr>
+          <p:nvPr>
+            <p:ph type="ftr" sz="quarter" idx="11"/>
+          </p:nvPr>
+        </p:nvSpPr>
+        <p:spPr/>
+        <p:txBody>
+          <a:bodyPr/>
+          <a:lstStyle/>
+          <a:p>
+            <a:r>
+              <a:rPr lang="en-US"/>
+              <a:t>https://github.com/kwchurch/CIKM_2023_tutorial</a:t>
+            </a:r>
+          </a:p>
+        </p:txBody>
+      </p:sp>
+    </p:spTree>
+    <p:extLst>
+      <p:ext uri="{BB962C8B-B14F-4D97-AF65-F5344CB8AC3E}">
+        <p14:creationId xmlns:p14="http://schemas.microsoft.com/office/powerpoint/2010/main" val="1832786925"/>
       </p:ext>
     </p:extLst>
   </p:cSld>
